--- a/VortragSystembiologie.pptx
+++ b/VortragSystembiologie.pptx
@@ -3814,13 +3814,7 @@
               <a:rPr lang="en-US">
                 <a:sym typeface="Wingdings" panose="05000000000000000000" pitchFamily="2" charset="2"/>
               </a:rPr>
-              <a:t> den </a:t>
-            </a:r>
-            <a:r>
-              <a:rPr lang="en-US" err="1">
-                <a:sym typeface="Wingdings" panose="05000000000000000000" pitchFamily="2" charset="2"/>
-              </a:rPr>
-              <a:t>Unterschied</a:t>
+              <a:t> den Unterschied ?</a:t>
             </a:r>
             <a:endParaRPr lang="en-US"/>
           </a:p>
@@ -3934,16 +3928,8 @@
           <a:lstStyle/>
           <a:p>
             <a:r>
-              <a:rPr lang="en-US" sz="2000" err="1"/>
-              <a:t>Verteilung</a:t>
-            </a:r>
-            <a:r>
               <a:rPr lang="en-US" sz="2000"/>
-              <a:t> der </a:t>
-            </a:r>
-            <a:r>
-              <a:rPr lang="en-US" sz="2000" err="1"/>
-              <a:t>Zähldaten</a:t>
+              <a:t>Wie sind die Counts verteilt ?</a:t>
             </a:r>
             <a:endParaRPr lang="en-DE" sz="2000"/>
           </a:p>
@@ -4341,10 +4327,6 @@
               <a:buChar char="-"/>
             </a:pPr>
             <a:r>
-              <a:rPr lang="en-US"/>
-              <a:t>=</a:t>
-            </a:r>
-            <a:r>
               <a:rPr lang="en-US">
                 <a:sym typeface="Wingdings" panose="05000000000000000000" pitchFamily="2" charset="2"/>
               </a:rPr>
@@ -4397,7 +4379,7 @@
             </a:pPr>
             <a:r>
               <a:rPr lang="de-DE"/>
-              <a:t> Problem: Wenn man z. B. 20.000 Gene testest und </a:t>
+              <a:t> Problem: Wenn man z. B. 20.000 Gene testet und </a:t>
             </a:r>
             <a:r>
               <a:rPr lang="de-DE" b="1"/>
@@ -4405,7 +4387,7 @@
             </a:r>
             <a:r>
               <a:rPr lang="de-DE"/>
-              <a:t> als Signifikanzniveau verwendest, dann erwartest  man </a:t>
+              <a:t> als Signifikanzniveau verwendest, dann erwartet  man </a:t>
             </a:r>
             <a:r>
               <a:rPr lang="de-DE" b="1"/>
@@ -5000,7 +4982,7 @@
         <p:spPr>
           <a:xfrm>
             <a:off x="6739128" y="3019424"/>
-            <a:ext cx="5129022" cy="1754326"/>
+            <a:ext cx="5129022" cy="2031325"/>
           </a:xfrm>
           <a:prstGeom prst="rect">
             <a:avLst/>
@@ -5131,6 +5113,16 @@
             <a:r>
               <a:rPr lang="en-US"/>
               <a:t> Bedingungen berücksichtigt</a:t>
+            </a:r>
+          </a:p>
+          <a:p>
+            <a:pPr marL="285750" indent="-285750">
+              <a:buFontTx/>
+              <a:buChar char="-"/>
+            </a:pPr>
+            <a:r>
+              <a:rPr lang="en-US"/>
+              <a:t>Hinzufügen der Gen-Metadaten</a:t>
             </a:r>
             <a:endParaRPr lang="en-DE"/>
           </a:p>
